--- a/Report/Association Rule report.pptx
+++ b/Report/Association Rule report.pptx
@@ -12,6 +12,8 @@
     <p:sldId id="307" r:id="rId6"/>
     <p:sldId id="308" r:id="rId7"/>
     <p:sldId id="309" r:id="rId8"/>
+    <p:sldId id="310" r:id="rId9"/>
+    <p:sldId id="311" r:id="rId10"/>
   </p:sldIdLst>
   <p:sldSz cx="12192000" cy="6858000"/>
   <p:notesSz cx="6858000" cy="9144000"/>
@@ -265,7 +267,7 @@
           <a:p>
             <a:fld id="{AD8EEA5F-6B8A-4AEF-BE69-1D8CF670F619}" type="datetimeFigureOut">
               <a:rPr lang="nl-NL" smtClean="0"/>
-              <a:t>23-10-2019</a:t>
+              <a:t>25-10-2019</a:t>
             </a:fld>
             <a:endParaRPr lang="nl-NL"/>
           </a:p>
@@ -463,7 +465,7 @@
           <a:p>
             <a:fld id="{AD8EEA5F-6B8A-4AEF-BE69-1D8CF670F619}" type="datetimeFigureOut">
               <a:rPr lang="nl-NL" smtClean="0"/>
-              <a:t>23-10-2019</a:t>
+              <a:t>25-10-2019</a:t>
             </a:fld>
             <a:endParaRPr lang="nl-NL"/>
           </a:p>
@@ -671,7 +673,7 @@
           <a:p>
             <a:fld id="{AD8EEA5F-6B8A-4AEF-BE69-1D8CF670F619}" type="datetimeFigureOut">
               <a:rPr lang="nl-NL" smtClean="0"/>
-              <a:t>23-10-2019</a:t>
+              <a:t>25-10-2019</a:t>
             </a:fld>
             <a:endParaRPr lang="nl-NL"/>
           </a:p>
@@ -869,7 +871,7 @@
           <a:p>
             <a:fld id="{AD8EEA5F-6B8A-4AEF-BE69-1D8CF670F619}" type="datetimeFigureOut">
               <a:rPr lang="nl-NL" smtClean="0"/>
-              <a:t>23-10-2019</a:t>
+              <a:t>25-10-2019</a:t>
             </a:fld>
             <a:endParaRPr lang="nl-NL"/>
           </a:p>
@@ -1144,7 +1146,7 @@
           <a:p>
             <a:fld id="{AD8EEA5F-6B8A-4AEF-BE69-1D8CF670F619}" type="datetimeFigureOut">
               <a:rPr lang="nl-NL" smtClean="0"/>
-              <a:t>23-10-2019</a:t>
+              <a:t>25-10-2019</a:t>
             </a:fld>
             <a:endParaRPr lang="nl-NL"/>
           </a:p>
@@ -1409,7 +1411,7 @@
           <a:p>
             <a:fld id="{AD8EEA5F-6B8A-4AEF-BE69-1D8CF670F619}" type="datetimeFigureOut">
               <a:rPr lang="nl-NL" smtClean="0"/>
-              <a:t>23-10-2019</a:t>
+              <a:t>25-10-2019</a:t>
             </a:fld>
             <a:endParaRPr lang="nl-NL"/>
           </a:p>
@@ -1821,7 +1823,7 @@
           <a:p>
             <a:fld id="{AD8EEA5F-6B8A-4AEF-BE69-1D8CF670F619}" type="datetimeFigureOut">
               <a:rPr lang="nl-NL" smtClean="0"/>
-              <a:t>23-10-2019</a:t>
+              <a:t>25-10-2019</a:t>
             </a:fld>
             <a:endParaRPr lang="nl-NL"/>
           </a:p>
@@ -1962,7 +1964,7 @@
           <a:p>
             <a:fld id="{AD8EEA5F-6B8A-4AEF-BE69-1D8CF670F619}" type="datetimeFigureOut">
               <a:rPr lang="nl-NL" smtClean="0"/>
-              <a:t>23-10-2019</a:t>
+              <a:t>25-10-2019</a:t>
             </a:fld>
             <a:endParaRPr lang="nl-NL"/>
           </a:p>
@@ -2075,7 +2077,7 @@
           <a:p>
             <a:fld id="{AD8EEA5F-6B8A-4AEF-BE69-1D8CF670F619}" type="datetimeFigureOut">
               <a:rPr lang="nl-NL" smtClean="0"/>
-              <a:t>23-10-2019</a:t>
+              <a:t>25-10-2019</a:t>
             </a:fld>
             <a:endParaRPr lang="nl-NL"/>
           </a:p>
@@ -2386,7 +2388,7 @@
           <a:p>
             <a:fld id="{AD8EEA5F-6B8A-4AEF-BE69-1D8CF670F619}" type="datetimeFigureOut">
               <a:rPr lang="nl-NL" smtClean="0"/>
-              <a:t>23-10-2019</a:t>
+              <a:t>25-10-2019</a:t>
             </a:fld>
             <a:endParaRPr lang="nl-NL"/>
           </a:p>
@@ -2674,7 +2676,7 @@
           <a:p>
             <a:fld id="{AD8EEA5F-6B8A-4AEF-BE69-1D8CF670F619}" type="datetimeFigureOut">
               <a:rPr lang="nl-NL" smtClean="0"/>
-              <a:t>23-10-2019</a:t>
+              <a:t>25-10-2019</a:t>
             </a:fld>
             <a:endParaRPr lang="nl-NL"/>
           </a:p>
@@ -2915,7 +2917,7 @@
           <a:p>
             <a:fld id="{AD8EEA5F-6B8A-4AEF-BE69-1D8CF670F619}" type="datetimeFigureOut">
               <a:rPr lang="nl-NL" smtClean="0"/>
-              <a:t>23-10-2019</a:t>
+              <a:t>25-10-2019</a:t>
             </a:fld>
             <a:endParaRPr lang="nl-NL"/>
           </a:p>
@@ -5540,6 +5542,684 @@
 </p:sld>
 </file>
 
+<file path=ppt/slides/slide8.xml><?xml version="1.0" encoding="utf-8"?>
+<p:sld xmlns:a="http://schemas.openxmlformats.org/drawingml/2006/main" xmlns:r="http://schemas.openxmlformats.org/officeDocument/2006/relationships" xmlns:p="http://schemas.openxmlformats.org/presentationml/2006/main">
+  <p:cSld>
+    <p:spTree>
+      <p:nvGrpSpPr>
+        <p:cNvPr id="1" name=""/>
+        <p:cNvGrpSpPr/>
+        <p:nvPr/>
+      </p:nvGrpSpPr>
+      <p:grpSpPr>
+        <a:xfrm>
+          <a:off x="0" y="0"/>
+          <a:ext cx="0" cy="0"/>
+          <a:chOff x="0" y="0"/>
+          <a:chExt cx="0" cy="0"/>
+        </a:xfrm>
+      </p:grpSpPr>
+      <p:sp>
+        <p:nvSpPr>
+          <p:cNvPr id="11" name="Titel 1">
+            <a:extLst>
+              <a:ext uri="{FF2B5EF4-FFF2-40B4-BE49-F238E27FC236}">
+                <a16:creationId xmlns:a16="http://schemas.microsoft.com/office/drawing/2014/main" id="{DF124527-22EE-4CF9-936F-F50A6AA88052}"/>
+              </a:ext>
+            </a:extLst>
+          </p:cNvPr>
+          <p:cNvSpPr txBox="1">
+            <a:spLocks/>
+          </p:cNvSpPr>
+          <p:nvPr/>
+        </p:nvSpPr>
+        <p:spPr>
+          <a:xfrm>
+            <a:off x="0" y="236036"/>
+            <a:ext cx="6353175" cy="700277"/>
+          </a:xfrm>
+          <a:prstGeom prst="rect">
+            <a:avLst/>
+          </a:prstGeom>
+          <a:solidFill>
+            <a:schemeClr val="accent6"/>
+          </a:solidFill>
+        </p:spPr>
+        <p:txBody>
+          <a:bodyPr vert="horz" lIns="91440" tIns="45720" rIns="91440" bIns="45720" rtlCol="0" anchor="ctr">
+            <a:noAutofit/>
+          </a:bodyPr>
+          <a:lstStyle>
+            <a:lvl1pPr algn="l" defTabSz="914400" rtl="0" eaLnBrk="1" latinLnBrk="0" hangingPunct="1">
+              <a:lnSpc>
+                <a:spcPct val="90000"/>
+              </a:lnSpc>
+              <a:spcBef>
+                <a:spcPct val="0"/>
+              </a:spcBef>
+              <a:buNone/>
+              <a:defRPr sz="4400" kern="1200">
+                <a:solidFill>
+                  <a:schemeClr val="tx1"/>
+                </a:solidFill>
+                <a:latin typeface="+mj-lt"/>
+                <a:ea typeface="+mj-ea"/>
+                <a:cs typeface="+mj-cs"/>
+              </a:defRPr>
+            </a:lvl1pPr>
+          </a:lstStyle>
+          <a:p>
+            <a:r>
+              <a:rPr lang="en-GB" sz="3200" b="1" dirty="0">
+                <a:solidFill>
+                  <a:schemeClr val="bg1"/>
+                </a:solidFill>
+                <a:latin typeface="+mn-lt"/>
+              </a:rPr>
+              <a:t>Rules based on brand name analysis</a:t>
+            </a:r>
+          </a:p>
+        </p:txBody>
+      </p:sp>
+      <p:sp>
+        <p:nvSpPr>
+          <p:cNvPr id="5" name="Tekstvak 4">
+            <a:extLst>
+              <a:ext uri="{FF2B5EF4-FFF2-40B4-BE49-F238E27FC236}">
+                <a16:creationId xmlns:a16="http://schemas.microsoft.com/office/drawing/2014/main" id="{6C6F9931-5331-4B22-8148-A61FA19B2F42}"/>
+              </a:ext>
+            </a:extLst>
+          </p:cNvPr>
+          <p:cNvSpPr txBox="1"/>
+          <p:nvPr/>
+        </p:nvSpPr>
+        <p:spPr>
+          <a:xfrm>
+            <a:off x="139947" y="6273225"/>
+            <a:ext cx="4857750" cy="584775"/>
+          </a:xfrm>
+          <a:prstGeom prst="rect">
+            <a:avLst/>
+          </a:prstGeom>
+          <a:noFill/>
+        </p:spPr>
+        <p:txBody>
+          <a:bodyPr wrap="square" rtlCol="0">
+            <a:spAutoFit/>
+          </a:bodyPr>
+          <a:lstStyle/>
+          <a:p>
+            <a:r>
+              <a:rPr lang="en-GB" dirty="0">
+                <a:solidFill>
+                  <a:schemeClr val="accent1"/>
+                </a:solidFill>
+              </a:rPr>
+              <a:t>Market Basket analysis</a:t>
+            </a:r>
+          </a:p>
+          <a:p>
+            <a:r>
+              <a:rPr lang="en-GB" sz="1400" dirty="0"/>
+              <a:t>Support 0.025, Confidence 0.70 gives 5 rules</a:t>
+            </a:r>
+          </a:p>
+        </p:txBody>
+      </p:sp>
+      <p:sp>
+        <p:nvSpPr>
+          <p:cNvPr id="10" name="Tekstvak 9">
+            <a:extLst>
+              <a:ext uri="{FF2B5EF4-FFF2-40B4-BE49-F238E27FC236}">
+                <a16:creationId xmlns:a16="http://schemas.microsoft.com/office/drawing/2014/main" id="{42A6677B-10F1-4989-B25F-13B4A2EC502D}"/>
+              </a:ext>
+            </a:extLst>
+          </p:cNvPr>
+          <p:cNvSpPr txBox="1"/>
+          <p:nvPr/>
+        </p:nvSpPr>
+        <p:spPr>
+          <a:xfrm>
+            <a:off x="0" y="1120979"/>
+            <a:ext cx="6534150" cy="2031325"/>
+          </a:xfrm>
+          <a:prstGeom prst="rect">
+            <a:avLst/>
+          </a:prstGeom>
+          <a:noFill/>
+        </p:spPr>
+        <p:txBody>
+          <a:bodyPr wrap="square" rtlCol="0">
+            <a:spAutoFit/>
+          </a:bodyPr>
+          <a:lstStyle/>
+          <a:p>
+            <a:pPr marL="342900" indent="-342900">
+              <a:buAutoNum type="arabicPeriod"/>
+            </a:pPr>
+            <a:r>
+              <a:rPr lang="en-GB" dirty="0">
+                <a:solidFill>
+                  <a:schemeClr val="accent6">
+                    <a:lumMod val="75000"/>
+                  </a:schemeClr>
+                </a:solidFill>
+              </a:rPr>
+              <a:t>89% </a:t>
+            </a:r>
+            <a:r>
+              <a:rPr lang="en-GB" dirty="0"/>
+              <a:t>of the customers who bought QNAP also bought ‘Western Digital’ products like hard-drive, my book, my cloud server, my passport. All are </a:t>
+            </a:r>
+            <a:r>
+              <a:rPr lang="en-GB" dirty="0" err="1"/>
+              <a:t>accessoires</a:t>
+            </a:r>
+            <a:r>
+              <a:rPr lang="en-GB" dirty="0"/>
+              <a:t> that can be combined with a Mac.</a:t>
+            </a:r>
+          </a:p>
+          <a:p>
+            <a:pPr marL="342900" indent="-342900">
+              <a:buAutoNum type="arabicPeriod"/>
+            </a:pPr>
+            <a:r>
+              <a:rPr lang="en-GB" dirty="0">
+                <a:solidFill>
+                  <a:schemeClr val="accent6">
+                    <a:lumMod val="75000"/>
+                  </a:schemeClr>
+                </a:solidFill>
+              </a:rPr>
+              <a:t>86% </a:t>
+            </a:r>
+            <a:r>
+              <a:rPr lang="en-GB" dirty="0"/>
+              <a:t>of the customers who bought Synology Digital also bought </a:t>
+            </a:r>
+          </a:p>
+          <a:p>
+            <a:r>
+              <a:rPr lang="en-GB" dirty="0"/>
+              <a:t>	‘Western Digital’. Both are accessories for Mac , PC’s, and camera’s.</a:t>
+            </a:r>
+          </a:p>
+          <a:p>
+            <a:endParaRPr lang="en-GB" dirty="0"/>
+          </a:p>
+        </p:txBody>
+      </p:sp>
+      <p:pic>
+        <p:nvPicPr>
+          <p:cNvPr id="2" name="Afbeelding 1">
+            <a:extLst>
+              <a:ext uri="{FF2B5EF4-FFF2-40B4-BE49-F238E27FC236}">
+                <a16:creationId xmlns:a16="http://schemas.microsoft.com/office/drawing/2014/main" id="{2985FB83-5B6A-4E64-B411-226F120C8D9F}"/>
+              </a:ext>
+            </a:extLst>
+          </p:cNvPr>
+          <p:cNvPicPr>
+            <a:picLocks noChangeAspect="1"/>
+          </p:cNvPicPr>
+          <p:nvPr/>
+        </p:nvPicPr>
+        <p:blipFill rotWithShape="1">
+          <a:blip r:embed="rId2"/>
+          <a:srcRect l="11971" t="13088" r="12924" b="-1676"/>
+          <a:stretch/>
+        </p:blipFill>
+        <p:spPr>
+          <a:xfrm>
+            <a:off x="7188000" y="138530"/>
+            <a:ext cx="5004000" cy="4752000"/>
+          </a:xfrm>
+          <a:prstGeom prst="rect">
+            <a:avLst/>
+          </a:prstGeom>
+        </p:spPr>
+      </p:pic>
+      <p:sp>
+        <p:nvSpPr>
+          <p:cNvPr id="6" name="Rechthoek 5">
+            <a:extLst>
+              <a:ext uri="{FF2B5EF4-FFF2-40B4-BE49-F238E27FC236}">
+                <a16:creationId xmlns:a16="http://schemas.microsoft.com/office/drawing/2014/main" id="{509A0680-BDE0-4064-AAE7-5C0752E75B59}"/>
+              </a:ext>
+            </a:extLst>
+          </p:cNvPr>
+          <p:cNvSpPr/>
+          <p:nvPr/>
+        </p:nvSpPr>
+        <p:spPr>
+          <a:xfrm>
+            <a:off x="6534150" y="5703807"/>
+            <a:ext cx="5497557" cy="1015663"/>
+          </a:xfrm>
+          <a:prstGeom prst="rect">
+            <a:avLst/>
+          </a:prstGeom>
+        </p:spPr>
+        <p:txBody>
+          <a:bodyPr wrap="square">
+            <a:spAutoFit/>
+          </a:bodyPr>
+          <a:lstStyle/>
+          <a:p>
+            <a:r>
+              <a:rPr lang="en-GB" sz="1000" dirty="0"/>
+              <a:t> 	</a:t>
+            </a:r>
+            <a:r>
+              <a:rPr lang="en-GB" sz="1000" dirty="0" err="1"/>
+              <a:t>lhs</a:t>
+            </a:r>
+            <a:r>
+              <a:rPr lang="en-GB" sz="1000" dirty="0"/>
+              <a:t>          	 </a:t>
+            </a:r>
+            <a:r>
+              <a:rPr lang="en-GB" sz="1000" dirty="0" err="1"/>
+              <a:t>rhs</a:t>
+            </a:r>
+            <a:r>
+              <a:rPr lang="en-GB" sz="1000" dirty="0"/>
+              <a:t>              	 support    	confidence lift     count</a:t>
+            </a:r>
+          </a:p>
+          <a:p>
+            <a:r>
+              <a:rPr lang="en-GB" sz="1000" dirty="0"/>
+              <a:t>[1] 	{QNAP}     =&gt; 	{Western Digital} 	0.03003635 	0.8895184  	9.421505 314  </a:t>
+            </a:r>
+          </a:p>
+          <a:p>
+            <a:r>
+              <a:rPr lang="en-GB" sz="1000" dirty="0"/>
+              <a:t>[2] 	{Matias}   =&gt;	 {Apple}           	0.02544481 	0.7687861  	1.983927 266  </a:t>
+            </a:r>
+          </a:p>
+          <a:p>
+            <a:r>
+              <a:rPr lang="en-GB" sz="1000" dirty="0"/>
+              <a:t>[3] 	{LG}       =&gt;	 {Apple}          	 0.02611441 	0.7459016  	1.924872 273  </a:t>
+            </a:r>
+          </a:p>
+          <a:p>
+            <a:r>
+              <a:rPr lang="en-GB" sz="1000" dirty="0"/>
+              <a:t>[4] 	{Moxie}    =&gt; 	{Apple}          	 0.02707098 	0.7201018  	1.858293 283  </a:t>
+            </a:r>
+          </a:p>
+          <a:p>
+            <a:r>
+              <a:rPr lang="en-GB" sz="1000" dirty="0"/>
+              <a:t>[5] 	{Synology} =&gt;	 {Western Digital} 0.03826287 	0.8639309  	9.150490 400 </a:t>
+            </a:r>
+          </a:p>
+        </p:txBody>
+      </p:sp>
+    </p:spTree>
+    <p:extLst>
+      <p:ext uri="{BB962C8B-B14F-4D97-AF65-F5344CB8AC3E}">
+        <p14:creationId xmlns:p14="http://schemas.microsoft.com/office/powerpoint/2010/main" val="4072498383"/>
+      </p:ext>
+    </p:extLst>
+  </p:cSld>
+  <p:clrMapOvr>
+    <a:masterClrMapping/>
+  </p:clrMapOvr>
+</p:sld>
+</file>
+
+<file path=ppt/slides/slide9.xml><?xml version="1.0" encoding="utf-8"?>
+<p:sld xmlns:a="http://schemas.openxmlformats.org/drawingml/2006/main" xmlns:r="http://schemas.openxmlformats.org/officeDocument/2006/relationships" xmlns:p="http://schemas.openxmlformats.org/presentationml/2006/main">
+  <p:cSld>
+    <p:spTree>
+      <p:nvGrpSpPr>
+        <p:cNvPr id="1" name=""/>
+        <p:cNvGrpSpPr/>
+        <p:nvPr/>
+      </p:nvGrpSpPr>
+      <p:grpSpPr>
+        <a:xfrm>
+          <a:off x="0" y="0"/>
+          <a:ext cx="0" cy="0"/>
+          <a:chOff x="0" y="0"/>
+          <a:chExt cx="0" cy="0"/>
+        </a:xfrm>
+      </p:grpSpPr>
+      <p:pic>
+        <p:nvPicPr>
+          <p:cNvPr id="3" name="Afbeelding 2">
+            <a:extLst>
+              <a:ext uri="{FF2B5EF4-FFF2-40B4-BE49-F238E27FC236}">
+                <a16:creationId xmlns:a16="http://schemas.microsoft.com/office/drawing/2014/main" id="{983E8CEA-514C-43EE-B78D-3DE6F882BCC1}"/>
+              </a:ext>
+            </a:extLst>
+          </p:cNvPr>
+          <p:cNvPicPr>
+            <a:picLocks noChangeAspect="1"/>
+          </p:cNvPicPr>
+          <p:nvPr/>
+        </p:nvPicPr>
+        <p:blipFill>
+          <a:blip r:embed="rId2"/>
+          <a:stretch>
+            <a:fillRect/>
+          </a:stretch>
+        </p:blipFill>
+        <p:spPr>
+          <a:xfrm>
+            <a:off x="7726543" y="236036"/>
+            <a:ext cx="4465457" cy="3851045"/>
+          </a:xfrm>
+          <a:prstGeom prst="rect">
+            <a:avLst/>
+          </a:prstGeom>
+        </p:spPr>
+      </p:pic>
+      <p:sp>
+        <p:nvSpPr>
+          <p:cNvPr id="11" name="Titel 1">
+            <a:extLst>
+              <a:ext uri="{FF2B5EF4-FFF2-40B4-BE49-F238E27FC236}">
+                <a16:creationId xmlns:a16="http://schemas.microsoft.com/office/drawing/2014/main" id="{DF124527-22EE-4CF9-936F-F50A6AA88052}"/>
+              </a:ext>
+            </a:extLst>
+          </p:cNvPr>
+          <p:cNvSpPr txBox="1">
+            <a:spLocks/>
+          </p:cNvSpPr>
+          <p:nvPr/>
+        </p:nvSpPr>
+        <p:spPr>
+          <a:xfrm>
+            <a:off x="0" y="236036"/>
+            <a:ext cx="6353175" cy="700277"/>
+          </a:xfrm>
+          <a:prstGeom prst="rect">
+            <a:avLst/>
+          </a:prstGeom>
+          <a:solidFill>
+            <a:schemeClr val="accent6"/>
+          </a:solidFill>
+        </p:spPr>
+        <p:txBody>
+          <a:bodyPr vert="horz" lIns="91440" tIns="45720" rIns="91440" bIns="45720" rtlCol="0" anchor="ctr">
+            <a:noAutofit/>
+          </a:bodyPr>
+          <a:lstStyle>
+            <a:lvl1pPr algn="l" defTabSz="914400" rtl="0" eaLnBrk="1" latinLnBrk="0" hangingPunct="1">
+              <a:lnSpc>
+                <a:spcPct val="90000"/>
+              </a:lnSpc>
+              <a:spcBef>
+                <a:spcPct val="0"/>
+              </a:spcBef>
+              <a:buNone/>
+              <a:defRPr sz="4400" kern="1200">
+                <a:solidFill>
+                  <a:schemeClr val="tx1"/>
+                </a:solidFill>
+                <a:latin typeface="+mj-lt"/>
+                <a:ea typeface="+mj-ea"/>
+                <a:cs typeface="+mj-cs"/>
+              </a:defRPr>
+            </a:lvl1pPr>
+          </a:lstStyle>
+          <a:p>
+            <a:r>
+              <a:rPr lang="en-GB" sz="3200" b="1" dirty="0">
+                <a:solidFill>
+                  <a:schemeClr val="bg1"/>
+                </a:solidFill>
+                <a:latin typeface="+mn-lt"/>
+              </a:rPr>
+              <a:t>RHS</a:t>
+            </a:r>
+          </a:p>
+        </p:txBody>
+      </p:sp>
+      <p:sp>
+        <p:nvSpPr>
+          <p:cNvPr id="5" name="Tekstvak 4">
+            <a:extLst>
+              <a:ext uri="{FF2B5EF4-FFF2-40B4-BE49-F238E27FC236}">
+                <a16:creationId xmlns:a16="http://schemas.microsoft.com/office/drawing/2014/main" id="{6C6F9931-5331-4B22-8148-A61FA19B2F42}"/>
+              </a:ext>
+            </a:extLst>
+          </p:cNvPr>
+          <p:cNvSpPr txBox="1"/>
+          <p:nvPr/>
+        </p:nvSpPr>
+        <p:spPr>
+          <a:xfrm>
+            <a:off x="139947" y="6273225"/>
+            <a:ext cx="4857750" cy="584775"/>
+          </a:xfrm>
+          <a:prstGeom prst="rect">
+            <a:avLst/>
+          </a:prstGeom>
+          <a:noFill/>
+        </p:spPr>
+        <p:txBody>
+          <a:bodyPr wrap="square" rtlCol="0">
+            <a:spAutoFit/>
+          </a:bodyPr>
+          <a:lstStyle/>
+          <a:p>
+            <a:r>
+              <a:rPr lang="en-GB" dirty="0">
+                <a:solidFill>
+                  <a:schemeClr val="accent1"/>
+                </a:solidFill>
+              </a:rPr>
+              <a:t>Market Basket analysis</a:t>
+            </a:r>
+          </a:p>
+          <a:p>
+            <a:r>
+              <a:rPr lang="en-GB" sz="1400" dirty="0"/>
+              <a:t>Support 0.025, Confidence 0.70 gives 5 rules</a:t>
+            </a:r>
+          </a:p>
+        </p:txBody>
+      </p:sp>
+      <p:sp>
+        <p:nvSpPr>
+          <p:cNvPr id="10" name="Tekstvak 9">
+            <a:extLst>
+              <a:ext uri="{FF2B5EF4-FFF2-40B4-BE49-F238E27FC236}">
+                <a16:creationId xmlns:a16="http://schemas.microsoft.com/office/drawing/2014/main" id="{42A6677B-10F1-4989-B25F-13B4A2EC502D}"/>
+              </a:ext>
+            </a:extLst>
+          </p:cNvPr>
+          <p:cNvSpPr txBox="1"/>
+          <p:nvPr/>
+        </p:nvSpPr>
+        <p:spPr>
+          <a:xfrm>
+            <a:off x="-2" y="1120979"/>
+            <a:ext cx="8934451" cy="3416320"/>
+          </a:xfrm>
+          <a:prstGeom prst="rect">
+            <a:avLst/>
+          </a:prstGeom>
+          <a:noFill/>
+        </p:spPr>
+        <p:txBody>
+          <a:bodyPr wrap="square" rtlCol="0">
+            <a:spAutoFit/>
+          </a:bodyPr>
+          <a:lstStyle/>
+          <a:p>
+            <a:pPr marL="342900" indent="-342900">
+              <a:buAutoNum type="arabicPeriod"/>
+            </a:pPr>
+            <a:r>
+              <a:rPr lang="en-GB" dirty="0">
+                <a:solidFill>
+                  <a:schemeClr val="accent6">
+                    <a:lumMod val="75000"/>
+                  </a:schemeClr>
+                </a:solidFill>
+              </a:rPr>
+              <a:t>89% </a:t>
+            </a:r>
+            <a:r>
+              <a:rPr lang="en-GB" dirty="0"/>
+              <a:t>of the customers who bought QNAP also bought ‘Western Digital’ products like hard-drive, my book, my cloud server, my passport. All are accessories that can be combined with a Mac.</a:t>
+            </a:r>
+          </a:p>
+          <a:p>
+            <a:pPr marL="342900" indent="-342900">
+              <a:buFont typeface="+mj-lt"/>
+              <a:buAutoNum type="arabicPeriod" startAt="5"/>
+            </a:pPr>
+            <a:r>
+              <a:rPr lang="en-GB" dirty="0">
+                <a:solidFill>
+                  <a:schemeClr val="accent6">
+                    <a:lumMod val="75000"/>
+                  </a:schemeClr>
+                </a:solidFill>
+              </a:rPr>
+              <a:t>86% </a:t>
+            </a:r>
+            <a:r>
+              <a:rPr lang="en-GB" dirty="0"/>
+              <a:t>of the customers who bought Synology Digital also bought </a:t>
+            </a:r>
+          </a:p>
+          <a:p>
+            <a:r>
+              <a:rPr lang="en-GB" dirty="0"/>
+              <a:t>	‘Western Digital’. Both are accessories for Mac , PC’s, and camera’s.</a:t>
+            </a:r>
+          </a:p>
+          <a:p>
+            <a:endParaRPr lang="en-GB" dirty="0"/>
+          </a:p>
+          <a:p>
+            <a:r>
+              <a:rPr lang="en-GB" dirty="0"/>
+              <a:t>What about products that will result in buying an Apple product (2,3,4)</a:t>
+            </a:r>
+          </a:p>
+          <a:p>
+            <a:endParaRPr lang="en-GB" dirty="0"/>
+          </a:p>
+          <a:p>
+            <a:r>
+              <a:rPr lang="en-GB" dirty="0"/>
+              <a:t>Customers buying Matias, LG, Moxie are likely to also buy an Apple product. </a:t>
+            </a:r>
+          </a:p>
+          <a:p>
+            <a:endParaRPr lang="en-GB" dirty="0"/>
+          </a:p>
+          <a:p>
+            <a:endParaRPr lang="en-GB" dirty="0"/>
+          </a:p>
+          <a:p>
+            <a:endParaRPr lang="en-GB" dirty="0"/>
+          </a:p>
+        </p:txBody>
+      </p:sp>
+      <p:sp>
+        <p:nvSpPr>
+          <p:cNvPr id="6" name="Rechthoek 5">
+            <a:extLst>
+              <a:ext uri="{FF2B5EF4-FFF2-40B4-BE49-F238E27FC236}">
+                <a16:creationId xmlns:a16="http://schemas.microsoft.com/office/drawing/2014/main" id="{509A0680-BDE0-4064-AAE7-5C0752E75B59}"/>
+              </a:ext>
+            </a:extLst>
+          </p:cNvPr>
+          <p:cNvSpPr/>
+          <p:nvPr/>
+        </p:nvSpPr>
+        <p:spPr>
+          <a:xfrm>
+            <a:off x="6195234" y="5700772"/>
+            <a:ext cx="6196791" cy="1015663"/>
+          </a:xfrm>
+          <a:prstGeom prst="rect">
+            <a:avLst/>
+          </a:prstGeom>
+        </p:spPr>
+        <p:txBody>
+          <a:bodyPr wrap="square">
+            <a:spAutoFit/>
+          </a:bodyPr>
+          <a:lstStyle/>
+          <a:p>
+            <a:r>
+              <a:rPr lang="en-GB" sz="1000" dirty="0"/>
+              <a:t>  	</a:t>
+            </a:r>
+            <a:r>
+              <a:rPr lang="en-GB" sz="1000" b="1" dirty="0" err="1"/>
+              <a:t>lhs</a:t>
+            </a:r>
+            <a:r>
+              <a:rPr lang="en-GB" sz="1000" b="1" dirty="0"/>
+              <a:t>           	</a:t>
+            </a:r>
+            <a:r>
+              <a:rPr lang="en-GB" sz="1000" b="1" dirty="0" err="1"/>
+              <a:t>rhs</a:t>
+            </a:r>
+            <a:r>
+              <a:rPr lang="en-GB" sz="1000" b="1" dirty="0"/>
+              <a:t>               	support    	confidence	 lift     	count</a:t>
+            </a:r>
+          </a:p>
+          <a:p>
+            <a:r>
+              <a:rPr lang="en-GB" sz="1000" dirty="0"/>
+              <a:t>[1] 	{QNAP}     =&gt;	 {Western Digital} 0.03003635	 0.8895184  	9.421505	314  </a:t>
+            </a:r>
+          </a:p>
+          <a:p>
+            <a:r>
+              <a:rPr lang="en-GB" sz="1000" dirty="0"/>
+              <a:t>[2]	 {Matias}   =&gt;	 {Apple}           	0.02544481 	0.7687861  	1.983927	266  </a:t>
+            </a:r>
+          </a:p>
+          <a:p>
+            <a:r>
+              <a:rPr lang="en-GB" sz="1000" dirty="0"/>
+              <a:t>[3] 	{LG}       =&gt;	 {Apple}           	0.02611441 	0.7459016  	1.924872 	273  </a:t>
+            </a:r>
+          </a:p>
+          <a:p>
+            <a:r>
+              <a:rPr lang="en-GB" sz="1000" dirty="0"/>
+              <a:t>[4] 	{Moxie}    =&gt;	 {Apple}          	 0.02707098 	0.7201018  	1.858293 	283  </a:t>
+            </a:r>
+          </a:p>
+          <a:p>
+            <a:r>
+              <a:rPr lang="en-GB" sz="1000" dirty="0"/>
+              <a:t>[5] 	{Synology} =&gt;	 {Western Digital} 0.03826287 	0.8639309  	9.150490	400 </a:t>
+            </a:r>
+          </a:p>
+        </p:txBody>
+      </p:sp>
+    </p:spTree>
+    <p:extLst>
+      <p:ext uri="{BB962C8B-B14F-4D97-AF65-F5344CB8AC3E}">
+        <p14:creationId xmlns:p14="http://schemas.microsoft.com/office/powerpoint/2010/main" val="4164333541"/>
+      </p:ext>
+    </p:extLst>
+  </p:cSld>
+  <p:clrMapOvr>
+    <a:masterClrMapping/>
+  </p:clrMapOvr>
+</p:sld>
+</file>
+
 <file path=ppt/theme/theme1.xml><?xml version="1.0" encoding="utf-8"?>
 <a:theme xmlns:a="http://schemas.openxmlformats.org/drawingml/2006/main" name="Kantoorthema">
   <a:themeElements>
